--- a/Galeria Possível.pptx
+++ b/Galeria Possível.pptx
@@ -142,7 +142,7 @@
 <file path=ppt/revisionInfo.xml><?xml version="1.0" encoding="utf-8"?>
 <p1510:revInfo xmlns:a="http://schemas.openxmlformats.org/drawingml/2006/main" xmlns:r="http://schemas.openxmlformats.org/officeDocument/2006/relationships" xmlns:p1510="http://schemas.microsoft.com/office/powerpoint/2015/10/main">
   <p1510:revLst>
-    <p1510:client id="{9334C607-D681-4111-B44D-30AD36E6533A}" v="3832" dt="2024-12-14T03:09:23.598"/>
+    <p1510:client id="{9334C607-D681-4111-B44D-30AD36E6533A}" v="3915" dt="2024-12-16T00:21:36.456"/>
   </p1510:revLst>
 </p1510:revInfo>
 </file>
@@ -151,8 +151,8 @@
 <pc:chgInfo xmlns:a="http://schemas.openxmlformats.org/drawingml/2006/main" xmlns:r="http://schemas.openxmlformats.org/officeDocument/2006/relationships" xmlns:ac="http://schemas.microsoft.com/office/drawing/2013/main/command" xmlns:pc="http://schemas.microsoft.com/office/powerpoint/2013/main/command">
   <pc:docChgLst>
     <pc:chgData name="Carlos Henrique Batista da Costa" userId="e7f21b8df69baaeb" providerId="LiveId" clId="{9334C607-D681-4111-B44D-30AD36E6533A}"/>
-    <pc:docChg chg="undo custSel modSld">
-      <pc:chgData name="Carlos Henrique Batista da Costa" userId="e7f21b8df69baaeb" providerId="LiveId" clId="{9334C607-D681-4111-B44D-30AD36E6533A}" dt="2024-12-14T03:09:23.598" v="5082" actId="20577"/>
+    <pc:docChg chg="undo redo custSel modSld">
+      <pc:chgData name="Carlos Henrique Batista da Costa" userId="e7f21b8df69baaeb" providerId="LiveId" clId="{9334C607-D681-4111-B44D-30AD36E6533A}" dt="2024-12-16T00:21:37.302" v="5164" actId="20577"/>
       <pc:docMkLst>
         <pc:docMk/>
       </pc:docMkLst>
@@ -247,13 +247,13 @@
         </pc:spChg>
       </pc:sldChg>
       <pc:sldChg chg="modSp modAnim">
-        <pc:chgData name="Carlos Henrique Batista da Costa" userId="e7f21b8df69baaeb" providerId="LiveId" clId="{9334C607-D681-4111-B44D-30AD36E6533A}" dt="2024-12-14T02:23:18.991" v="3110" actId="20577"/>
+        <pc:chgData name="Carlos Henrique Batista da Costa" userId="e7f21b8df69baaeb" providerId="LiveId" clId="{9334C607-D681-4111-B44D-30AD36E6533A}" dt="2024-12-16T00:18:57.851" v="5154" actId="20577"/>
         <pc:sldMkLst>
           <pc:docMk/>
           <pc:sldMk cId="296237976" sldId="342"/>
         </pc:sldMkLst>
         <pc:spChg chg="mod">
-          <ac:chgData name="Carlos Henrique Batista da Costa" userId="e7f21b8df69baaeb" providerId="LiveId" clId="{9334C607-D681-4111-B44D-30AD36E6533A}" dt="2024-12-14T02:23:02.224" v="3108" actId="20577"/>
+          <ac:chgData name="Carlos Henrique Batista da Costa" userId="e7f21b8df69baaeb" providerId="LiveId" clId="{9334C607-D681-4111-B44D-30AD36E6533A}" dt="2024-12-16T00:18:57.851" v="5154" actId="20577"/>
           <ac:spMkLst>
             <pc:docMk/>
             <pc:sldMk cId="296237976" sldId="342"/>
@@ -277,13 +277,13 @@
         </pc:spChg>
       </pc:sldChg>
       <pc:sldChg chg="modSp modAnim">
-        <pc:chgData name="Carlos Henrique Batista da Costa" userId="e7f21b8df69baaeb" providerId="LiveId" clId="{9334C607-D681-4111-B44D-30AD36E6533A}" dt="2024-12-13T17:27:11.006" v="1304" actId="20577"/>
+        <pc:chgData name="Carlos Henrique Batista da Costa" userId="e7f21b8df69baaeb" providerId="LiveId" clId="{9334C607-D681-4111-B44D-30AD36E6533A}" dt="2024-12-16T00:21:36.456" v="5163" actId="20577"/>
         <pc:sldMkLst>
           <pc:docMk/>
           <pc:sldMk cId="2922996995" sldId="350"/>
         </pc:sldMkLst>
         <pc:spChg chg="mod">
-          <ac:chgData name="Carlos Henrique Batista da Costa" userId="e7f21b8df69baaeb" providerId="LiveId" clId="{9334C607-D681-4111-B44D-30AD36E6533A}" dt="2024-12-13T17:27:11.006" v="1304" actId="20577"/>
+          <ac:chgData name="Carlos Henrique Batista da Costa" userId="e7f21b8df69baaeb" providerId="LiveId" clId="{9334C607-D681-4111-B44D-30AD36E6533A}" dt="2024-12-16T00:21:36.456" v="5163" actId="20577"/>
           <ac:spMkLst>
             <pc:docMk/>
             <pc:sldMk cId="2922996995" sldId="350"/>
@@ -292,13 +292,13 @@
         </pc:spChg>
       </pc:sldChg>
       <pc:sldChg chg="modSp mod">
-        <pc:chgData name="Carlos Henrique Batista da Costa" userId="e7f21b8df69baaeb" providerId="LiveId" clId="{9334C607-D681-4111-B44D-30AD36E6533A}" dt="2024-12-13T19:00:41.104" v="1915" actId="20577"/>
+        <pc:chgData name="Carlos Henrique Batista da Costa" userId="e7f21b8df69baaeb" providerId="LiveId" clId="{9334C607-D681-4111-B44D-30AD36E6533A}" dt="2024-12-16T00:21:37.302" v="5164" actId="20577"/>
         <pc:sldMkLst>
           <pc:docMk/>
           <pc:sldMk cId="772941076" sldId="351"/>
         </pc:sldMkLst>
         <pc:spChg chg="mod">
-          <ac:chgData name="Carlos Henrique Batista da Costa" userId="e7f21b8df69baaeb" providerId="LiveId" clId="{9334C607-D681-4111-B44D-30AD36E6533A}" dt="2024-12-13T19:00:41.104" v="1915" actId="20577"/>
+          <ac:chgData name="Carlos Henrique Batista da Costa" userId="e7f21b8df69baaeb" providerId="LiveId" clId="{9334C607-D681-4111-B44D-30AD36E6533A}" dt="2024-12-16T00:21:37.302" v="5164" actId="20577"/>
           <ac:spMkLst>
             <pc:docMk/>
             <pc:sldMk cId="772941076" sldId="351"/>
@@ -393,7 +393,7 @@
           <a:p>
             <a:fld id="{BA2B9F68-95D2-1E4B-BD5A-4119E13C16A5}" type="datetimeFigureOut">
               <a:rPr lang="pt-PT" smtClean="0"/>
-              <a:t>13/12/2024</a:t>
+              <a:t>16/12/2024</a:t>
             </a:fld>
             <a:endParaRPr lang="pt-PT"/>
           </a:p>
@@ -810,7 +810,7 @@
           <a:p>
             <a:fld id="{0B6235B5-5E82-E649-BBB5-F8E6C16E27A0}" type="datetimeFigureOut">
               <a:rPr lang="pt-PT" smtClean="0"/>
-              <a:t>13/12/2024</a:t>
+              <a:t>16/12/2024</a:t>
             </a:fld>
             <a:endParaRPr lang="pt-PT"/>
           </a:p>
@@ -1010,7 +1010,7 @@
           <a:p>
             <a:fld id="{0B6235B5-5E82-E649-BBB5-F8E6C16E27A0}" type="datetimeFigureOut">
               <a:rPr lang="pt-PT" smtClean="0"/>
-              <a:t>13/12/2024</a:t>
+              <a:t>16/12/2024</a:t>
             </a:fld>
             <a:endParaRPr lang="pt-PT"/>
           </a:p>
@@ -1220,7 +1220,7 @@
           <a:p>
             <a:fld id="{0B6235B5-5E82-E649-BBB5-F8E6C16E27A0}" type="datetimeFigureOut">
               <a:rPr lang="pt-PT" smtClean="0"/>
-              <a:t>13/12/2024</a:t>
+              <a:t>16/12/2024</a:t>
             </a:fld>
             <a:endParaRPr lang="pt-PT"/>
           </a:p>
@@ -1461,7 +1461,7 @@
           <a:p>
             <a:fld id="{1D8BD707-D9CF-40AE-B4C6-C98DA3205C09}" type="datetimeFigureOut">
               <a:rPr lang="en-US"/>
-              <a:t>12/13/2024</a:t>
+              <a:t>12/16/2024</a:t>
             </a:fld>
             <a:endParaRPr lang="en-US"/>
           </a:p>
@@ -1639,7 +1639,7 @@
           <a:p>
             <a:fld id="{0B6235B5-5E82-E649-BBB5-F8E6C16E27A0}" type="datetimeFigureOut">
               <a:rPr lang="pt-PT" smtClean="0"/>
-              <a:t>13/12/2024</a:t>
+              <a:t>16/12/2024</a:t>
             </a:fld>
             <a:endParaRPr lang="pt-PT"/>
           </a:p>
@@ -1915,7 +1915,7 @@
           <a:p>
             <a:fld id="{0B6235B5-5E82-E649-BBB5-F8E6C16E27A0}" type="datetimeFigureOut">
               <a:rPr lang="pt-PT" smtClean="0"/>
-              <a:t>13/12/2024</a:t>
+              <a:t>16/12/2024</a:t>
             </a:fld>
             <a:endParaRPr lang="pt-PT"/>
           </a:p>
@@ -2183,7 +2183,7 @@
           <a:p>
             <a:fld id="{0B6235B5-5E82-E649-BBB5-F8E6C16E27A0}" type="datetimeFigureOut">
               <a:rPr lang="pt-PT" smtClean="0"/>
-              <a:t>13/12/2024</a:t>
+              <a:t>16/12/2024</a:t>
             </a:fld>
             <a:endParaRPr lang="pt-PT"/>
           </a:p>
@@ -2598,7 +2598,7 @@
           <a:p>
             <a:fld id="{0B6235B5-5E82-E649-BBB5-F8E6C16E27A0}" type="datetimeFigureOut">
               <a:rPr lang="pt-PT" smtClean="0"/>
-              <a:t>13/12/2024</a:t>
+              <a:t>16/12/2024</a:t>
             </a:fld>
             <a:endParaRPr lang="pt-PT"/>
           </a:p>
@@ -2740,7 +2740,7 @@
           <a:p>
             <a:fld id="{0B6235B5-5E82-E649-BBB5-F8E6C16E27A0}" type="datetimeFigureOut">
               <a:rPr lang="pt-PT" smtClean="0"/>
-              <a:t>13/12/2024</a:t>
+              <a:t>16/12/2024</a:t>
             </a:fld>
             <a:endParaRPr lang="pt-PT"/>
           </a:p>
@@ -2853,7 +2853,7 @@
           <a:p>
             <a:fld id="{0B6235B5-5E82-E649-BBB5-F8E6C16E27A0}" type="datetimeFigureOut">
               <a:rPr lang="pt-PT" smtClean="0"/>
-              <a:t>13/12/2024</a:t>
+              <a:t>16/12/2024</a:t>
             </a:fld>
             <a:endParaRPr lang="pt-PT"/>
           </a:p>
@@ -3166,7 +3166,7 @@
           <a:p>
             <a:fld id="{0B6235B5-5E82-E649-BBB5-F8E6C16E27A0}" type="datetimeFigureOut">
               <a:rPr lang="pt-PT" smtClean="0"/>
-              <a:t>13/12/2024</a:t>
+              <a:t>16/12/2024</a:t>
             </a:fld>
             <a:endParaRPr lang="pt-PT"/>
           </a:p>
@@ -3455,7 +3455,7 @@
           <a:p>
             <a:fld id="{0B6235B5-5E82-E649-BBB5-F8E6C16E27A0}" type="datetimeFigureOut">
               <a:rPr lang="pt-PT" smtClean="0"/>
-              <a:t>13/12/2024</a:t>
+              <a:t>16/12/2024</a:t>
             </a:fld>
             <a:endParaRPr lang="pt-PT"/>
           </a:p>
@@ -3698,7 +3698,7 @@
           <a:p>
             <a:fld id="{0B6235B5-5E82-E649-BBB5-F8E6C16E27A0}" type="datetimeFigureOut">
               <a:rPr lang="pt-PT" smtClean="0"/>
-              <a:t>13/12/2024</a:t>
+              <a:t>16/12/2024</a:t>
             </a:fld>
             <a:endParaRPr lang="pt-PT"/>
           </a:p>
@@ -5302,22 +5302,19 @@
                 <a:latin typeface="TT Firs Neue" panose="02000503030000020004" pitchFamily="2" charset="0"/>
                 <a:cs typeface="TTFirsNeue-DemiBold"/>
               </a:rPr>
-              <a:t>Fazer uma coleção em </a:t>
-            </a:r>
-            <a:r>
-              <a:rPr lang="pt-PT" sz="2400" i="1" dirty="0">
+              <a:t>Tornar funcionáveis as validações depois de associadas </a:t>
+            </a:r>
+            <a:r>
+              <a:rPr lang="pt-PT" sz="2400">
                 <a:latin typeface="TT Firs Neue" panose="02000503030000020004" pitchFamily="2" charset="0"/>
                 <a:cs typeface="TTFirsNeue-DemiBold"/>
               </a:rPr>
-              <a:t>MongoDB</a:t>
-            </a:r>
-            <a:r>
-              <a:rPr lang="pt-PT" sz="2400" dirty="0">
-                <a:latin typeface="TT Firs Neue" panose="02000503030000020004" pitchFamily="2" charset="0"/>
-                <a:cs typeface="TTFirsNeue-DemiBold"/>
-              </a:rPr>
-              <a:t> importar objetos de outra.</a:t>
-            </a:r>
+              <a:t>às rotas.</a:t>
+            </a:r>
+            <a:endParaRPr lang="pt-PT" sz="2400" dirty="0">
+              <a:latin typeface="TT Firs Neue" panose="02000503030000020004" pitchFamily="2" charset="0"/>
+              <a:cs typeface="TTFirsNeue-DemiBold"/>
+            </a:endParaRPr>
           </a:p>
         </p:txBody>
       </p:sp>
@@ -8664,7 +8661,7 @@
         <p:spPr>
           <a:xfrm>
             <a:off x="261707" y="2417682"/>
-            <a:ext cx="11757460" cy="3569952"/>
+            <a:ext cx="11757460" cy="2673937"/>
           </a:xfrm>
           <a:prstGeom prst="rect">
             <a:avLst/>
@@ -8758,43 +8755,6 @@
                 <a:cs typeface="TTFirsNeue-DemiBold"/>
               </a:rPr>
               <a:t>Pode consultar os livros disponíveis na base de dados.</a:t>
-            </a:r>
-          </a:p>
-          <a:p>
-            <a:pPr marL="354965" marR="5080" indent="-342900">
-              <a:lnSpc>
-                <a:spcPct val="101299"/>
-              </a:lnSpc>
-              <a:spcBef>
-                <a:spcPts val="90"/>
-              </a:spcBef>
-              <a:buBlip>
-                <a:blip r:embed="rId3"/>
-              </a:buBlip>
-            </a:pPr>
-            <a:endParaRPr lang="pt-PT" sz="2800" dirty="0">
-              <a:latin typeface="TT Firs Neue" panose="02000503030000020004" pitchFamily="2" charset="0"/>
-              <a:cs typeface="TTFirsNeue-DemiBold"/>
-            </a:endParaRPr>
-          </a:p>
-          <a:p>
-            <a:pPr marL="354965" marR="5080" indent="-342900">
-              <a:lnSpc>
-                <a:spcPct val="101299"/>
-              </a:lnSpc>
-              <a:spcBef>
-                <a:spcPts val="90"/>
-              </a:spcBef>
-              <a:buBlip>
-                <a:blip r:embed="rId3"/>
-              </a:buBlip>
-            </a:pPr>
-            <a:r>
-              <a:rPr lang="pt-PT" sz="2800" dirty="0">
-                <a:latin typeface="TT Firs Neue" panose="02000503030000020004" pitchFamily="2" charset="0"/>
-                <a:cs typeface="TTFirsNeue-DemiBold"/>
-              </a:rPr>
-              <a:t>Pode fazer requisições.</a:t>
             </a:r>
           </a:p>
         </p:txBody>
@@ -9042,55 +9002,6 @@
                       </p:childTnLst>
                     </p:cTn>
                   </p:par>
-                  <p:par>
-                    <p:cTn id="15" fill="hold">
-                      <p:stCondLst>
-                        <p:cond delay="indefinite"/>
-                      </p:stCondLst>
-                      <p:childTnLst>
-                        <p:par>
-                          <p:cTn id="16" fill="hold">
-                            <p:stCondLst>
-                              <p:cond delay="0"/>
-                            </p:stCondLst>
-                            <p:childTnLst>
-                              <p:par>
-                                <p:cTn id="17" presetID="1" presetClass="entr" presetSubtype="0" fill="hold" nodeType="clickEffect">
-                                  <p:stCondLst>
-                                    <p:cond delay="0"/>
-                                  </p:stCondLst>
-                                  <p:childTnLst>
-                                    <p:set>
-                                      <p:cBhvr>
-                                        <p:cTn id="18" dur="1" fill="hold">
-                                          <p:stCondLst>
-                                            <p:cond delay="0"/>
-                                          </p:stCondLst>
-                                        </p:cTn>
-                                        <p:tgtEl>
-                                          <p:spTgt spid="36">
-                                            <p:txEl>
-                                              <p:pRg st="6" end="6"/>
-                                            </p:txEl>
-                                          </p:spTgt>
-                                        </p:tgtEl>
-                                        <p:attrNameLst>
-                                          <p:attrName>style.visibility</p:attrName>
-                                        </p:attrNameLst>
-                                      </p:cBhvr>
-                                      <p:to>
-                                        <p:strVal val="visible"/>
-                                      </p:to>
-                                    </p:set>
-                                  </p:childTnLst>
-                                </p:cTn>
-                              </p:par>
-                            </p:childTnLst>
-                          </p:cTn>
-                        </p:par>
-                      </p:childTnLst>
-                    </p:cTn>
-                  </p:par>
                 </p:childTnLst>
               </p:cTn>
               <p:prevCondLst>
@@ -9312,11 +9223,18 @@
               </a:buBlip>
             </a:pPr>
             <a:r>
+              <a:rPr lang="pt-PT" sz="2800">
+                <a:latin typeface="TT Firs Neue" panose="02000503030000020004" pitchFamily="2" charset="0"/>
+                <a:cs typeface="TTFirsNeue-DemiBold"/>
+              </a:rPr>
+              <a:t>Acede aos </a:t>
+            </a:r>
+            <a:r>
               <a:rPr lang="pt-PT" sz="2800" dirty="0">
                 <a:latin typeface="TT Firs Neue" panose="02000503030000020004" pitchFamily="2" charset="0"/>
                 <a:cs typeface="TTFirsNeue-DemiBold"/>
               </a:rPr>
-              <a:t>Acede às requisições efetuadas, aos livros ou aos utilizadores.</a:t>
+              <a:t>livros ou aos utilizadores.</a:t>
             </a:r>
           </a:p>
           <a:p>

--- a/Galeria Possível.pptx
+++ b/Galeria Possível.pptx
@@ -142,7 +142,7 @@
 <file path=ppt/revisionInfo.xml><?xml version="1.0" encoding="utf-8"?>
 <p1510:revInfo xmlns:a="http://schemas.openxmlformats.org/drawingml/2006/main" xmlns:r="http://schemas.openxmlformats.org/officeDocument/2006/relationships" xmlns:p1510="http://schemas.microsoft.com/office/powerpoint/2015/10/main">
   <p1510:revLst>
-    <p1510:client id="{9334C607-D681-4111-B44D-30AD36E6533A}" v="3915" dt="2024-12-16T00:21:36.456"/>
+    <p1510:client id="{9334C607-D681-4111-B44D-30AD36E6533A}" v="3930" dt="2024-12-17T17:28:15.102"/>
   </p1510:revLst>
 </p1510:revInfo>
 </file>
@@ -152,7 +152,7 @@
   <pc:docChgLst>
     <pc:chgData name="Carlos Henrique Batista da Costa" userId="e7f21b8df69baaeb" providerId="LiveId" clId="{9334C607-D681-4111-B44D-30AD36E6533A}"/>
     <pc:docChg chg="undo redo custSel modSld">
-      <pc:chgData name="Carlos Henrique Batista da Costa" userId="e7f21b8df69baaeb" providerId="LiveId" clId="{9334C607-D681-4111-B44D-30AD36E6533A}" dt="2024-12-16T00:21:37.302" v="5164" actId="20577"/>
+      <pc:chgData name="Carlos Henrique Batista da Costa" userId="e7f21b8df69baaeb" providerId="LiveId" clId="{9334C607-D681-4111-B44D-30AD36E6533A}" dt="2024-12-17T17:31:30.657" v="5376" actId="20577"/>
       <pc:docMkLst>
         <pc:docMk/>
       </pc:docMkLst>
@@ -172,13 +172,13 @@
         </pc:spChg>
       </pc:sldChg>
       <pc:sldChg chg="modSp mod">
-        <pc:chgData name="Carlos Henrique Batista da Costa" userId="e7f21b8df69baaeb" providerId="LiveId" clId="{9334C607-D681-4111-B44D-30AD36E6533A}" dt="2024-12-12T21:03:27.885" v="706" actId="20577"/>
+        <pc:chgData name="Carlos Henrique Batista da Costa" userId="e7f21b8df69baaeb" providerId="LiveId" clId="{9334C607-D681-4111-B44D-30AD36E6533A}" dt="2024-12-17T17:31:30.657" v="5376" actId="20577"/>
         <pc:sldMkLst>
           <pc:docMk/>
           <pc:sldMk cId="1707902646" sldId="311"/>
         </pc:sldMkLst>
         <pc:spChg chg="mod">
-          <ac:chgData name="Carlos Henrique Batista da Costa" userId="e7f21b8df69baaeb" providerId="LiveId" clId="{9334C607-D681-4111-B44D-30AD36E6533A}" dt="2024-12-12T21:03:27.885" v="706" actId="20577"/>
+          <ac:chgData name="Carlos Henrique Batista da Costa" userId="e7f21b8df69baaeb" providerId="LiveId" clId="{9334C607-D681-4111-B44D-30AD36E6533A}" dt="2024-12-17T17:31:30.657" v="5376" actId="20577"/>
           <ac:spMkLst>
             <pc:docMk/>
             <pc:sldMk cId="1707902646" sldId="311"/>
@@ -187,13 +187,13 @@
         </pc:spChg>
       </pc:sldChg>
       <pc:sldChg chg="modSp modAnim">
-        <pc:chgData name="Carlos Henrique Batista da Costa" userId="e7f21b8df69baaeb" providerId="LiveId" clId="{9334C607-D681-4111-B44D-30AD36E6533A}" dt="2024-12-12T21:30:10.921" v="1042" actId="20577"/>
+        <pc:chgData name="Carlos Henrique Batista da Costa" userId="e7f21b8df69baaeb" providerId="LiveId" clId="{9334C607-D681-4111-B44D-30AD36E6533A}" dt="2024-12-17T11:03:35.968" v="5166" actId="20577"/>
         <pc:sldMkLst>
           <pc:docMk/>
           <pc:sldMk cId="1159556905" sldId="335"/>
         </pc:sldMkLst>
         <pc:spChg chg="mod">
-          <ac:chgData name="Carlos Henrique Batista da Costa" userId="e7f21b8df69baaeb" providerId="LiveId" clId="{9334C607-D681-4111-B44D-30AD36E6533A}" dt="2024-12-12T21:30:10.921" v="1042" actId="20577"/>
+          <ac:chgData name="Carlos Henrique Batista da Costa" userId="e7f21b8df69baaeb" providerId="LiveId" clId="{9334C607-D681-4111-B44D-30AD36E6533A}" dt="2024-12-17T11:03:35.968" v="5166" actId="20577"/>
           <ac:spMkLst>
             <pc:docMk/>
             <pc:sldMk cId="1159556905" sldId="335"/>
@@ -232,13 +232,13 @@
         </pc:spChg>
       </pc:sldChg>
       <pc:sldChg chg="modSp mod modAnim">
-        <pc:chgData name="Carlos Henrique Batista da Costa" userId="e7f21b8df69baaeb" providerId="LiveId" clId="{9334C607-D681-4111-B44D-30AD36E6533A}" dt="2024-12-14T01:29:01.593" v="2266"/>
+        <pc:chgData name="Carlos Henrique Batista da Costa" userId="e7f21b8df69baaeb" providerId="LiveId" clId="{9334C607-D681-4111-B44D-30AD36E6533A}" dt="2024-12-17T11:07:26.799" v="5179" actId="20577"/>
         <pc:sldMkLst>
           <pc:docMk/>
           <pc:sldMk cId="319552690" sldId="341"/>
         </pc:sldMkLst>
         <pc:spChg chg="mod">
-          <ac:chgData name="Carlos Henrique Batista da Costa" userId="e7f21b8df69baaeb" providerId="LiveId" clId="{9334C607-D681-4111-B44D-30AD36E6533A}" dt="2024-12-14T01:29:01.593" v="2266"/>
+          <ac:chgData name="Carlos Henrique Batista da Costa" userId="e7f21b8df69baaeb" providerId="LiveId" clId="{9334C607-D681-4111-B44D-30AD36E6533A}" dt="2024-12-17T11:07:26.799" v="5179" actId="20577"/>
           <ac:spMkLst>
             <pc:docMk/>
             <pc:sldMk cId="319552690" sldId="341"/>
@@ -393,7 +393,7 @@
           <a:p>
             <a:fld id="{BA2B9F68-95D2-1E4B-BD5A-4119E13C16A5}" type="datetimeFigureOut">
               <a:rPr lang="pt-PT" smtClean="0"/>
-              <a:t>16/12/2024</a:t>
+              <a:t>17/12/2024</a:t>
             </a:fld>
             <a:endParaRPr lang="pt-PT"/>
           </a:p>
@@ -661,6 +661,90 @@
 </p:notesMaster>
 </file>
 
+<file path=ppt/notesSlides/notesSlide1.xml><?xml version="1.0" encoding="utf-8"?>
+<p:notes xmlns:a="http://schemas.openxmlformats.org/drawingml/2006/main" xmlns:r="http://schemas.openxmlformats.org/officeDocument/2006/relationships" xmlns:p="http://schemas.openxmlformats.org/presentationml/2006/main">
+  <p:cSld>
+    <p:spTree>
+      <p:nvGrpSpPr>
+        <p:cNvPr id="1" name=""/>
+        <p:cNvGrpSpPr/>
+        <p:nvPr/>
+      </p:nvGrpSpPr>
+      <p:grpSpPr>
+        <a:xfrm>
+          <a:off x="0" y="0"/>
+          <a:ext cx="0" cy="0"/>
+          <a:chOff x="0" y="0"/>
+          <a:chExt cx="0" cy="0"/>
+        </a:xfrm>
+      </p:grpSpPr>
+      <p:sp>
+        <p:nvSpPr>
+          <p:cNvPr id="2" name="Marcador de Posição da Imagem do Diapositivo 1"/>
+          <p:cNvSpPr>
+            <a:spLocks noGrp="1" noRot="1" noChangeAspect="1"/>
+          </p:cNvSpPr>
+          <p:nvPr>
+            <p:ph type="sldImg"/>
+          </p:nvPr>
+        </p:nvSpPr>
+        <p:spPr/>
+      </p:sp>
+      <p:sp>
+        <p:nvSpPr>
+          <p:cNvPr id="3" name="Marcador de Posição de Notas 2"/>
+          <p:cNvSpPr>
+            <a:spLocks noGrp="1"/>
+          </p:cNvSpPr>
+          <p:nvPr>
+            <p:ph type="body" idx="1"/>
+          </p:nvPr>
+        </p:nvSpPr>
+        <p:spPr/>
+        <p:txBody>
+          <a:bodyPr/>
+          <a:lstStyle/>
+          <a:p>
+            <a:endParaRPr lang="pt-PT"/>
+          </a:p>
+        </p:txBody>
+      </p:sp>
+      <p:sp>
+        <p:nvSpPr>
+          <p:cNvPr id="4" name="Marcador de Posição do Número do Diapositivo 3"/>
+          <p:cNvSpPr>
+            <a:spLocks noGrp="1"/>
+          </p:cNvSpPr>
+          <p:nvPr>
+            <p:ph type="sldNum" sz="quarter" idx="5"/>
+          </p:nvPr>
+        </p:nvSpPr>
+        <p:spPr/>
+        <p:txBody>
+          <a:bodyPr/>
+          <a:lstStyle/>
+          <a:p>
+            <a:fld id="{CE72C170-6E3C-BE41-9B71-DD06A4F194A4}" type="slidenum">
+              <a:rPr lang="pt-PT" smtClean="0"/>
+              <a:t>2</a:t>
+            </a:fld>
+            <a:endParaRPr lang="pt-PT"/>
+          </a:p>
+        </p:txBody>
+      </p:sp>
+    </p:spTree>
+    <p:extLst>
+      <p:ext uri="{BB962C8B-B14F-4D97-AF65-F5344CB8AC3E}">
+        <p14:creationId xmlns:p14="http://schemas.microsoft.com/office/powerpoint/2010/main" val="2720070384"/>
+      </p:ext>
+    </p:extLst>
+  </p:cSld>
+  <p:clrMapOvr>
+    <a:masterClrMapping/>
+  </p:clrMapOvr>
+</p:notes>
+</file>
+
 <file path=ppt/slideLayouts/slideLayout1.xml><?xml version="1.0" encoding="utf-8"?>
 <p:sldLayout xmlns:a="http://schemas.openxmlformats.org/drawingml/2006/main" xmlns:r="http://schemas.openxmlformats.org/officeDocument/2006/relationships" xmlns:p="http://schemas.openxmlformats.org/presentationml/2006/main" type="title" preserve="1">
   <p:cSld name="Title Slide">
@@ -810,7 +894,7 @@
           <a:p>
             <a:fld id="{0B6235B5-5E82-E649-BBB5-F8E6C16E27A0}" type="datetimeFigureOut">
               <a:rPr lang="pt-PT" smtClean="0"/>
-              <a:t>16/12/2024</a:t>
+              <a:t>17/12/2024</a:t>
             </a:fld>
             <a:endParaRPr lang="pt-PT"/>
           </a:p>
@@ -1010,7 +1094,7 @@
           <a:p>
             <a:fld id="{0B6235B5-5E82-E649-BBB5-F8E6C16E27A0}" type="datetimeFigureOut">
               <a:rPr lang="pt-PT" smtClean="0"/>
-              <a:t>16/12/2024</a:t>
+              <a:t>17/12/2024</a:t>
             </a:fld>
             <a:endParaRPr lang="pt-PT"/>
           </a:p>
@@ -1220,7 +1304,7 @@
           <a:p>
             <a:fld id="{0B6235B5-5E82-E649-BBB5-F8E6C16E27A0}" type="datetimeFigureOut">
               <a:rPr lang="pt-PT" smtClean="0"/>
-              <a:t>16/12/2024</a:t>
+              <a:t>17/12/2024</a:t>
             </a:fld>
             <a:endParaRPr lang="pt-PT"/>
           </a:p>
@@ -1461,7 +1545,7 @@
           <a:p>
             <a:fld id="{1D8BD707-D9CF-40AE-B4C6-C98DA3205C09}" type="datetimeFigureOut">
               <a:rPr lang="en-US"/>
-              <a:t>12/16/2024</a:t>
+              <a:t>12/17/2024</a:t>
             </a:fld>
             <a:endParaRPr lang="en-US"/>
           </a:p>
@@ -1639,7 +1723,7 @@
           <a:p>
             <a:fld id="{0B6235B5-5E82-E649-BBB5-F8E6C16E27A0}" type="datetimeFigureOut">
               <a:rPr lang="pt-PT" smtClean="0"/>
-              <a:t>16/12/2024</a:t>
+              <a:t>17/12/2024</a:t>
             </a:fld>
             <a:endParaRPr lang="pt-PT"/>
           </a:p>
@@ -1915,7 +1999,7 @@
           <a:p>
             <a:fld id="{0B6235B5-5E82-E649-BBB5-F8E6C16E27A0}" type="datetimeFigureOut">
               <a:rPr lang="pt-PT" smtClean="0"/>
-              <a:t>16/12/2024</a:t>
+              <a:t>17/12/2024</a:t>
             </a:fld>
             <a:endParaRPr lang="pt-PT"/>
           </a:p>
@@ -2183,7 +2267,7 @@
           <a:p>
             <a:fld id="{0B6235B5-5E82-E649-BBB5-F8E6C16E27A0}" type="datetimeFigureOut">
               <a:rPr lang="pt-PT" smtClean="0"/>
-              <a:t>16/12/2024</a:t>
+              <a:t>17/12/2024</a:t>
             </a:fld>
             <a:endParaRPr lang="pt-PT"/>
           </a:p>
@@ -2598,7 +2682,7 @@
           <a:p>
             <a:fld id="{0B6235B5-5E82-E649-BBB5-F8E6C16E27A0}" type="datetimeFigureOut">
               <a:rPr lang="pt-PT" smtClean="0"/>
-              <a:t>16/12/2024</a:t>
+              <a:t>17/12/2024</a:t>
             </a:fld>
             <a:endParaRPr lang="pt-PT"/>
           </a:p>
@@ -2740,7 +2824,7 @@
           <a:p>
             <a:fld id="{0B6235B5-5E82-E649-BBB5-F8E6C16E27A0}" type="datetimeFigureOut">
               <a:rPr lang="pt-PT" smtClean="0"/>
-              <a:t>16/12/2024</a:t>
+              <a:t>17/12/2024</a:t>
             </a:fld>
             <a:endParaRPr lang="pt-PT"/>
           </a:p>
@@ -2853,7 +2937,7 @@
           <a:p>
             <a:fld id="{0B6235B5-5E82-E649-BBB5-F8E6C16E27A0}" type="datetimeFigureOut">
               <a:rPr lang="pt-PT" smtClean="0"/>
-              <a:t>16/12/2024</a:t>
+              <a:t>17/12/2024</a:t>
             </a:fld>
             <a:endParaRPr lang="pt-PT"/>
           </a:p>
@@ -3166,7 +3250,7 @@
           <a:p>
             <a:fld id="{0B6235B5-5E82-E649-BBB5-F8E6C16E27A0}" type="datetimeFigureOut">
               <a:rPr lang="pt-PT" smtClean="0"/>
-              <a:t>16/12/2024</a:t>
+              <a:t>17/12/2024</a:t>
             </a:fld>
             <a:endParaRPr lang="pt-PT"/>
           </a:p>
@@ -3455,7 +3539,7 @@
           <a:p>
             <a:fld id="{0B6235B5-5E82-E649-BBB5-F8E6C16E27A0}" type="datetimeFigureOut">
               <a:rPr lang="pt-PT" smtClean="0"/>
-              <a:t>16/12/2024</a:t>
+              <a:t>17/12/2024</a:t>
             </a:fld>
             <a:endParaRPr lang="pt-PT"/>
           </a:p>
@@ -3698,7 +3782,7 @@
           <a:p>
             <a:fld id="{0B6235B5-5E82-E649-BBB5-F8E6C16E27A0}" type="datetimeFigureOut">
               <a:rPr lang="pt-PT" smtClean="0"/>
-              <a:t>16/12/2024</a:t>
+              <a:t>17/12/2024</a:t>
             </a:fld>
             <a:endParaRPr lang="pt-PT"/>
           </a:p>
@@ -4369,7 +4453,7 @@
                 <a:latin typeface="TT Firs Neue" panose="02000503030000020004" pitchFamily="2" charset="0"/>
                 <a:cs typeface="TTFirsNeue-DemiBold"/>
               </a:rPr>
-              <a:t>Bcrypt</a:t>
+              <a:t>Node.js</a:t>
             </a:r>
           </a:p>
           <a:p>
@@ -4389,7 +4473,7 @@
                 <a:latin typeface="TT Firs Neue" panose="02000503030000020004" pitchFamily="2" charset="0"/>
                 <a:cs typeface="TTFirsNeue-DemiBold"/>
               </a:rPr>
-              <a:t>Express</a:t>
+              <a:t>Bcrypt</a:t>
             </a:r>
           </a:p>
           <a:p>
@@ -4409,7 +4493,7 @@
                 <a:latin typeface="TT Firs Neue" panose="02000503030000020004" pitchFamily="2" charset="0"/>
                 <a:cs typeface="TTFirsNeue-DemiBold"/>
               </a:rPr>
-              <a:t>Express-Validator</a:t>
+              <a:t>Express</a:t>
             </a:r>
           </a:p>
           <a:p>
@@ -4429,7 +4513,7 @@
                 <a:latin typeface="TT Firs Neue" panose="02000503030000020004" pitchFamily="2" charset="0"/>
                 <a:cs typeface="TTFirsNeue-DemiBold"/>
               </a:rPr>
-              <a:t>Jsonwebtoken</a:t>
+              <a:t>Express-Validator</a:t>
             </a:r>
           </a:p>
           <a:p>
@@ -4449,7 +4533,7 @@
                 <a:latin typeface="TT Firs Neue" panose="02000503030000020004" pitchFamily="2" charset="0"/>
                 <a:cs typeface="TTFirsNeue-DemiBold"/>
               </a:rPr>
-              <a:t>MongoDB</a:t>
+              <a:t>Jsonwebtoken</a:t>
             </a:r>
           </a:p>
           <a:p>
@@ -4469,7 +4553,7 @@
                 <a:latin typeface="TT Firs Neue" panose="02000503030000020004" pitchFamily="2" charset="0"/>
                 <a:cs typeface="TTFirsNeue-DemiBold"/>
               </a:rPr>
-              <a:t>Mongoose</a:t>
+              <a:t>MongoDB</a:t>
             </a:r>
           </a:p>
           <a:p>
@@ -4489,7 +4573,7 @@
                 <a:latin typeface="TT Firs Neue" panose="02000503030000020004" pitchFamily="2" charset="0"/>
                 <a:cs typeface="TTFirsNeue-DemiBold"/>
               </a:rPr>
-              <a:t>Node.js/Nodemon</a:t>
+              <a:t>Mongoose</a:t>
             </a:r>
           </a:p>
           <a:p>
@@ -6099,7 +6183,7 @@
         <p:spPr>
           <a:xfrm>
             <a:off x="242951" y="2516040"/>
-            <a:ext cx="11757460" cy="3352200"/>
+            <a:ext cx="11757460" cy="1694695"/>
           </a:xfrm>
           <a:prstGeom prst="rect">
             <a:avLst/>
@@ -6124,7 +6208,7 @@
                 <a:latin typeface="TT Firs Neue" panose="02000503030000020004" pitchFamily="2" charset="0"/>
                 <a:cs typeface="TTFirsNeue-DemiBold"/>
               </a:rPr>
-              <a:t>Aplicação incompleta e em desenvolvimento.</a:t>
+              <a:t>Aplicação em desenvolvimento.</a:t>
             </a:r>
           </a:p>
           <a:p>
@@ -6155,7 +6239,7 @@
                 <a:latin typeface="TT Firs Neue" panose="02000503030000020004" pitchFamily="2" charset="0"/>
                 <a:cs typeface="TTFirsNeue-DemiBold"/>
               </a:rPr>
-              <a:t>Nem todos os objetivos previstos foram cumpridos.</a:t>
+              <a:t>Nem todos os objetivos previstos foram atingidos.</a:t>
             </a:r>
           </a:p>
           <a:p>
@@ -6186,50 +6270,8 @@
                 <a:latin typeface="TT Firs Neue" panose="02000503030000020004" pitchFamily="2" charset="0"/>
                 <a:cs typeface="TTFirsNeue-DemiBold"/>
               </a:rPr>
-              <a:t>Talvez com mais tempo o projeto seja melhorado.</a:t>
-            </a:r>
-          </a:p>
-          <a:p>
-            <a:pPr marL="12065" marR="5080">
-              <a:lnSpc>
-                <a:spcPct val="101299"/>
-              </a:lnSpc>
-              <a:spcBef>
-                <a:spcPts val="90"/>
-              </a:spcBef>
-            </a:pPr>
-            <a:endParaRPr lang="pt-PT" sz="2100" dirty="0">
-              <a:latin typeface="TT Firs Neue" panose="02000503030000020004" pitchFamily="2" charset="0"/>
-              <a:cs typeface="TTFirsNeue-DemiBold"/>
-            </a:endParaRPr>
-          </a:p>
-          <a:p>
-            <a:pPr marL="12065" marR="5080">
-              <a:lnSpc>
-                <a:spcPct val="101299"/>
-              </a:lnSpc>
-              <a:spcBef>
-                <a:spcPts val="90"/>
-              </a:spcBef>
-            </a:pPr>
-            <a:r>
-              <a:rPr lang="pt-PT" sz="2100" dirty="0">
-                <a:latin typeface="TT Firs Neue" panose="02000503030000020004" pitchFamily="2" charset="0"/>
-                <a:cs typeface="TTFirsNeue-DemiBold"/>
-              </a:rPr>
-              <a:t>A elaboração deste projeto foi desafiante, mas não a maior proeza que acredito ter feito ou que farei porque vejo maior potencial noutros projetos meus ainda em curso mesmo não sendo todos informáticos. Ainda assim não deixarei de fazer uso dos novos conhecimentos adquiridos e de enveredar por uma área profissional tão distinta das </a:t>
-            </a:r>
-            <a:r>
-              <a:rPr lang="pt-PT" sz="2100">
-                <a:latin typeface="TT Firs Neue" panose="02000503030000020004" pitchFamily="2" charset="0"/>
-                <a:cs typeface="TTFirsNeue-DemiBold"/>
-              </a:rPr>
-              <a:t>minhas outras.</a:t>
-            </a:r>
-            <a:endParaRPr lang="pt-PT" sz="2100" dirty="0">
-              <a:latin typeface="TT Firs Neue" panose="02000503030000020004" pitchFamily="2" charset="0"/>
-              <a:cs typeface="TTFirsNeue-DemiBold"/>
-            </a:endParaRPr>
+              <a:t>Com mais tempo o projeto será melhorado.</a:t>
+            </a:r>
           </a:p>
         </p:txBody>
       </p:sp>
@@ -6476,55 +6518,6 @@
                       </p:childTnLst>
                     </p:cTn>
                   </p:par>
-                  <p:par>
-                    <p:cTn id="15" fill="hold">
-                      <p:stCondLst>
-                        <p:cond delay="indefinite"/>
-                      </p:stCondLst>
-                      <p:childTnLst>
-                        <p:par>
-                          <p:cTn id="16" fill="hold">
-                            <p:stCondLst>
-                              <p:cond delay="0"/>
-                            </p:stCondLst>
-                            <p:childTnLst>
-                              <p:par>
-                                <p:cTn id="17" presetID="1" presetClass="entr" presetSubtype="0" fill="hold" nodeType="clickEffect">
-                                  <p:stCondLst>
-                                    <p:cond delay="0"/>
-                                  </p:stCondLst>
-                                  <p:childTnLst>
-                                    <p:set>
-                                      <p:cBhvr>
-                                        <p:cTn id="18" dur="1" fill="hold">
-                                          <p:stCondLst>
-                                            <p:cond delay="0"/>
-                                          </p:stCondLst>
-                                        </p:cTn>
-                                        <p:tgtEl>
-                                          <p:spTgt spid="36">
-                                            <p:txEl>
-                                              <p:pRg st="6" end="6"/>
-                                            </p:txEl>
-                                          </p:spTgt>
-                                        </p:tgtEl>
-                                        <p:attrNameLst>
-                                          <p:attrName>style.visibility</p:attrName>
-                                        </p:attrNameLst>
-                                      </p:cBhvr>
-                                      <p:to>
-                                        <p:strVal val="visible"/>
-                                      </p:to>
-                                    </p:set>
-                                  </p:childTnLst>
-                                </p:cTn>
-                              </p:par>
-                            </p:childTnLst>
-                          </p:cTn>
-                        </p:par>
-                      </p:childTnLst>
-                    </p:cTn>
-                  </p:par>
                 </p:childTnLst>
               </p:cTn>
               <p:prevCondLst>
@@ -6998,7 +6991,7 @@
           <p:nvPr/>
         </p:nvPicPr>
         <p:blipFill rotWithShape="1">
-          <a:blip r:embed="rId2"/>
+          <a:blip r:embed="rId3"/>
           <a:srcRect t="28568" r="66678" b="28168"/>
           <a:stretch/>
         </p:blipFill>
@@ -7090,7 +7083,7 @@
                 <a:spcPts val="90"/>
               </a:spcBef>
               <a:buBlip>
-                <a:blip r:embed="rId3"/>
+                <a:blip r:embed="rId4"/>
               </a:buBlip>
             </a:pPr>
             <a:r>
@@ -7110,7 +7103,7 @@
                 <a:spcPts val="90"/>
               </a:spcBef>
               <a:buBlip>
-                <a:blip r:embed="rId3"/>
+                <a:blip r:embed="rId4"/>
               </a:buBlip>
             </a:pPr>
             <a:r>
@@ -7118,7 +7111,7 @@
                 <a:latin typeface="TT Firs Neue" panose="02000503030000020004" pitchFamily="2" charset="0"/>
                 <a:cs typeface="TTFirsNeue-DemiBold"/>
               </a:rPr>
-              <a:t>Base de dados bibliográfica de biblioteca, gestão dos livros requisitáveis.</a:t>
+              <a:t>API para gerir os dados de uma biblioteca.</a:t>
             </a:r>
             <a:br>
               <a:rPr lang="pt-PT" sz="2000" dirty="0">
@@ -7140,7 +7133,7 @@
                 <a:spcPts val="90"/>
               </a:spcBef>
               <a:buBlip>
-                <a:blip r:embed="rId3"/>
+                <a:blip r:embed="rId4"/>
               </a:buBlip>
             </a:pPr>
             <a:r>
@@ -7160,7 +7153,7 @@
                 <a:spcPts val="90"/>
               </a:spcBef>
               <a:buBlip>
-                <a:blip r:embed="rId3"/>
+                <a:blip r:embed="rId4"/>
               </a:buBlip>
             </a:pPr>
             <a:r>
@@ -7168,7 +7161,21 @@
                 <a:latin typeface="TT Firs Neue" panose="02000503030000020004" pitchFamily="2" charset="0"/>
                 <a:cs typeface="TTFirsNeue-DemiBold"/>
               </a:rPr>
-              <a:t>Demonstração do terminal secundário da aplicação.</a:t>
+              <a:t>Demonstração do </a:t>
+            </a:r>
+            <a:r>
+              <a:rPr lang="pt-PT" sz="2000" i="1" dirty="0">
+                <a:latin typeface="TT Firs Neue" panose="02000503030000020004" pitchFamily="2" charset="0"/>
+                <a:cs typeface="TTFirsNeue-DemiBold"/>
+              </a:rPr>
+              <a:t>back-end</a:t>
+            </a:r>
+            <a:r>
+              <a:rPr lang="pt-PT" sz="2000" dirty="0">
+                <a:latin typeface="TT Firs Neue" panose="02000503030000020004" pitchFamily="2" charset="0"/>
+                <a:cs typeface="TTFirsNeue-DemiBold"/>
+              </a:rPr>
+              <a:t> da API.</a:t>
             </a:r>
           </a:p>
           <a:p>
@@ -7180,7 +7187,7 @@
                 <a:spcPts val="90"/>
               </a:spcBef>
               <a:buBlip>
-                <a:blip r:embed="rId3"/>
+                <a:blip r:embed="rId4"/>
               </a:buBlip>
             </a:pPr>
             <a:endParaRPr lang="en-GB" sz="2000" b="1" dirty="0">
@@ -7197,7 +7204,7 @@
                 <a:spcPts val="90"/>
               </a:spcBef>
               <a:buBlip>
-                <a:blip r:embed="rId3"/>
+                <a:blip r:embed="rId4"/>
               </a:buBlip>
             </a:pPr>
             <a:r>
@@ -7217,7 +7224,7 @@
                 <a:spcPts val="90"/>
               </a:spcBef>
               <a:buBlip>
-                <a:blip r:embed="rId3"/>
+                <a:blip r:embed="rId4"/>
               </a:buBlip>
             </a:pPr>
             <a:r>
@@ -7237,7 +7244,7 @@
                 <a:spcPts val="90"/>
               </a:spcBef>
               <a:buBlip>
-                <a:blip r:embed="rId3"/>
+                <a:blip r:embed="rId4"/>
               </a:buBlip>
             </a:pPr>
             <a:endParaRPr lang="en-GB" sz="2000" dirty="0">
@@ -7254,7 +7261,7 @@
                 <a:spcPts val="90"/>
               </a:spcBef>
               <a:buBlip>
-                <a:blip r:embed="rId3"/>
+                <a:blip r:embed="rId4"/>
               </a:buBlip>
             </a:pPr>
             <a:r>
@@ -7288,7 +7295,7 @@
                 <a:spcPts val="90"/>
               </a:spcBef>
               <a:buBlip>
-                <a:blip r:embed="rId3"/>
+                <a:blip r:embed="rId4"/>
               </a:buBlip>
             </a:pPr>
             <a:r>
@@ -7308,7 +7315,7 @@
                 <a:spcPts val="90"/>
               </a:spcBef>
               <a:buBlip>
-                <a:blip r:embed="rId3"/>
+                <a:blip r:embed="rId4"/>
               </a:buBlip>
             </a:pPr>
             <a:r>
@@ -7328,7 +7335,7 @@
                 <a:spcPts val="90"/>
               </a:spcBef>
               <a:buBlip>
-                <a:blip r:embed="rId3"/>
+                <a:blip r:embed="rId4"/>
               </a:buBlip>
             </a:pPr>
             <a:endParaRPr lang="en-GB" sz="2000" dirty="0">
@@ -7401,7 +7408,7 @@
           <p:nvPr/>
         </p:nvPicPr>
         <p:blipFill>
-          <a:blip r:embed="rId4"/>
+          <a:blip r:embed="rId5"/>
           <a:stretch>
             <a:fillRect/>
           </a:stretch>
